--- a/bin/demo.pptx
+++ b/bin/demo.pptx
@@ -223,7 +223,7 @@
           <a:p>
             <a:fld id="{B15EF0AF-A302-4205-861B-5E31F0B1B748}" type="datetimeFigureOut">
               <a:rPr lang="zh-CN" altLang="en-US" smtClean="0"/>
-              <a:t>2022/10/3</a:t>
+              <a:t>2022/10/4</a:t>
             </a:fld>
             <a:endParaRPr lang="zh-CN" altLang="en-US"/>
           </a:p>
@@ -721,7 +721,7 @@
           <a:p>
             <a:fld id="{76D0072D-A679-4F58-9BB4-55352459EAF3}" type="datetimeFigureOut">
               <a:rPr lang="zh-CN" altLang="en-US" smtClean="0"/>
-              <a:t>2022/10/3</a:t>
+              <a:t>2022/10/4</a:t>
             </a:fld>
             <a:endParaRPr lang="zh-CN" altLang="en-US"/>
           </a:p>
@@ -919,7 +919,7 @@
           <a:p>
             <a:fld id="{76D0072D-A679-4F58-9BB4-55352459EAF3}" type="datetimeFigureOut">
               <a:rPr lang="zh-CN" altLang="en-US" smtClean="0"/>
-              <a:t>2022/10/3</a:t>
+              <a:t>2022/10/4</a:t>
             </a:fld>
             <a:endParaRPr lang="zh-CN" altLang="en-US"/>
           </a:p>
@@ -1127,7 +1127,7 @@
           <a:p>
             <a:fld id="{76D0072D-A679-4F58-9BB4-55352459EAF3}" type="datetimeFigureOut">
               <a:rPr lang="zh-CN" altLang="en-US" smtClean="0"/>
-              <a:t>2022/10/3</a:t>
+              <a:t>2022/10/4</a:t>
             </a:fld>
             <a:endParaRPr lang="zh-CN" altLang="en-US"/>
           </a:p>
@@ -1325,7 +1325,7 @@
           <a:p>
             <a:fld id="{76D0072D-A679-4F58-9BB4-55352459EAF3}" type="datetimeFigureOut">
               <a:rPr lang="zh-CN" altLang="en-US" smtClean="0"/>
-              <a:t>2022/10/3</a:t>
+              <a:t>2022/10/4</a:t>
             </a:fld>
             <a:endParaRPr lang="zh-CN" altLang="en-US"/>
           </a:p>
@@ -1600,7 +1600,7 @@
           <a:p>
             <a:fld id="{76D0072D-A679-4F58-9BB4-55352459EAF3}" type="datetimeFigureOut">
               <a:rPr lang="zh-CN" altLang="en-US" smtClean="0"/>
-              <a:t>2022/10/3</a:t>
+              <a:t>2022/10/4</a:t>
             </a:fld>
             <a:endParaRPr lang="zh-CN" altLang="en-US"/>
           </a:p>
@@ -1865,7 +1865,7 @@
           <a:p>
             <a:fld id="{76D0072D-A679-4F58-9BB4-55352459EAF3}" type="datetimeFigureOut">
               <a:rPr lang="zh-CN" altLang="en-US" smtClean="0"/>
-              <a:t>2022/10/3</a:t>
+              <a:t>2022/10/4</a:t>
             </a:fld>
             <a:endParaRPr lang="zh-CN" altLang="en-US"/>
           </a:p>
@@ -2277,7 +2277,7 @@
           <a:p>
             <a:fld id="{76D0072D-A679-4F58-9BB4-55352459EAF3}" type="datetimeFigureOut">
               <a:rPr lang="zh-CN" altLang="en-US" smtClean="0"/>
-              <a:t>2022/10/3</a:t>
+              <a:t>2022/10/4</a:t>
             </a:fld>
             <a:endParaRPr lang="zh-CN" altLang="en-US"/>
           </a:p>
@@ -2418,7 +2418,7 @@
           <a:p>
             <a:fld id="{76D0072D-A679-4F58-9BB4-55352459EAF3}" type="datetimeFigureOut">
               <a:rPr lang="zh-CN" altLang="en-US" smtClean="0"/>
-              <a:t>2022/10/3</a:t>
+              <a:t>2022/10/4</a:t>
             </a:fld>
             <a:endParaRPr lang="zh-CN" altLang="en-US"/>
           </a:p>
@@ -2531,7 +2531,7 @@
           <a:p>
             <a:fld id="{76D0072D-A679-4F58-9BB4-55352459EAF3}" type="datetimeFigureOut">
               <a:rPr lang="zh-CN" altLang="en-US" smtClean="0"/>
-              <a:t>2022/10/3</a:t>
+              <a:t>2022/10/4</a:t>
             </a:fld>
             <a:endParaRPr lang="zh-CN" altLang="en-US"/>
           </a:p>
@@ -2842,7 +2842,7 @@
           <a:p>
             <a:fld id="{76D0072D-A679-4F58-9BB4-55352459EAF3}" type="datetimeFigureOut">
               <a:rPr lang="zh-CN" altLang="en-US" smtClean="0"/>
-              <a:t>2022/10/3</a:t>
+              <a:t>2022/10/4</a:t>
             </a:fld>
             <a:endParaRPr lang="zh-CN" altLang="en-US"/>
           </a:p>
@@ -3130,7 +3130,7 @@
           <a:p>
             <a:fld id="{76D0072D-A679-4F58-9BB4-55352459EAF3}" type="datetimeFigureOut">
               <a:rPr lang="zh-CN" altLang="en-US" smtClean="0"/>
-              <a:t>2022/10/3</a:t>
+              <a:t>2022/10/4</a:t>
             </a:fld>
             <a:endParaRPr lang="zh-CN" altLang="en-US"/>
           </a:p>
@@ -3371,7 +3371,7 @@
           <a:p>
             <a:fld id="{76D0072D-A679-4F58-9BB4-55352459EAF3}" type="datetimeFigureOut">
               <a:rPr lang="zh-CN" altLang="en-US" smtClean="0"/>
-              <a:t>2022/10/3</a:t>
+              <a:t>2022/10/4</a:t>
             </a:fld>
             <a:endParaRPr lang="zh-CN" altLang="en-US"/>
           </a:p>
@@ -4650,6 +4650,17 @@
             <a:r>
               <a:rPr lang="zh-CN" altLang="en-US" dirty="0"/>
               <a:t>密码加密存储</a:t>
+            </a:r>
+            <a:endParaRPr lang="en-US" altLang="zh-CN" dirty="0"/>
+          </a:p>
+          <a:p>
+            <a:r>
+              <a:rPr lang="en-US" altLang="zh-CN" dirty="0"/>
+              <a:t>Regex</a:t>
+            </a:r>
+            <a:r>
+              <a:rPr lang="zh-CN" altLang="en-US" dirty="0"/>
+              <a:t>模糊搜索</a:t>
             </a:r>
             <a:endParaRPr lang="en-US" altLang="zh-CN" dirty="0"/>
           </a:p>
